--- a/docs/virtualization/theory/io/io.pptx
+++ b/docs/virtualization/theory/io/io.pptx
@@ -9176,7 +9176,7 @@
           </a:bodyPr>
           <a:p>
             <a:r>
-              <a:rPr lang="" altLang="zh-CN" sz="1000" b="1">
+              <a:rPr lang="en-US" altLang="zh-CN" sz="1000" b="1">
                 <a:solidFill>
                   <a:srgbClr val="CC0000"/>
                 </a:solidFill>
@@ -9184,7 +9184,7 @@
               <a:t>vhost </a:t>
             </a:r>
             <a:r>
-              <a:rPr lang="zh-CN" altLang="" sz="1000" b="1">
+              <a:rPr lang="zh-CN" altLang="en-US" sz="1000" b="1">
                 <a:solidFill>
                   <a:srgbClr val="CC0000"/>
                 </a:solidFill>
@@ -9192,7 +9192,7 @@
               <a:t>必然是要存在一个</a:t>
             </a:r>
             <a:r>
-              <a:rPr lang="" altLang="zh-CN" sz="1000" b="1">
+              <a:rPr lang="en-US" altLang="zh-CN" sz="1000" b="1">
                 <a:solidFill>
                   <a:srgbClr val="CC0000"/>
                 </a:solidFill>
@@ -9200,7 +9200,7 @@
               <a:t>virtio</a:t>
             </a:r>
             <a:r>
-              <a:rPr lang="zh-CN" altLang="" sz="1000" b="1">
+              <a:rPr lang="zh-CN" altLang="en-US" sz="1000" b="1">
                 <a:solidFill>
                   <a:srgbClr val="CC0000"/>
                 </a:solidFill>
@@ -9208,7 +9208,7 @@
               <a:t>设备在</a:t>
             </a:r>
             <a:r>
-              <a:rPr lang="" altLang="zh-CN" sz="1000" b="1">
+              <a:rPr lang="en-US" altLang="zh-CN" sz="1000" b="1">
                 <a:solidFill>
                   <a:srgbClr val="CC0000"/>
                 </a:solidFill>
@@ -9216,14 +9216,14 @@
               <a:t>VMM</a:t>
             </a:r>
             <a:r>
-              <a:rPr lang="zh-CN" altLang="" sz="1000" b="1">
+              <a:rPr lang="zh-CN" altLang="en-US" sz="1000" b="1">
                 <a:solidFill>
                   <a:srgbClr val="CC0000"/>
                 </a:solidFill>
               </a:rPr>
               <a:t>中</a:t>
             </a:r>
-            <a:endParaRPr lang="zh-CN" altLang="" sz="1000" b="1">
+            <a:endParaRPr lang="zh-CN" altLang="en-US" sz="1000" b="1">
               <a:solidFill>
                 <a:srgbClr val="CC0000"/>
               </a:solidFill>
@@ -10223,7 +10223,7 @@
         <p:spPr>
           <a:xfrm>
             <a:off x="1713865" y="3902710"/>
-            <a:ext cx="8357235" cy="1316990"/>
+            <a:ext cx="8357235" cy="1376045"/>
           </a:xfrm>
           <a:prstGeom prst="rect">
             <a:avLst/>
@@ -11712,7 +11712,7 @@
           </a:xfrm>
           <a:prstGeom prst="bentConnector3">
             <a:avLst>
-              <a:gd name="adj1" fmla="val 122189"/>
+              <a:gd name="adj1" fmla="val 138934"/>
             </a:avLst>
           </a:prstGeom>
           <a:ln w="38100">
